--- a/無心道快速开服演示文稿.pptx
+++ b/無心道快速开服演示文稿.pptx
@@ -8,11 +8,13 @@
     <p:sldId id="256" r:id="rId3"/>
     <p:sldId id="257" r:id="rId4"/>
     <p:sldId id="258" r:id="rId5"/>
+    <p:sldId id="259" r:id="rId6"/>
+    <p:sldId id="260" r:id="rId7"/>
   </p:sldIdLst>
   <p:sldSz cx="12192000" cy="6858000"/>
   <p:notesSz cx="6858000" cy="9144000"/>
   <p:custDataLst>
-    <p:tags r:id="rId9"/>
+    <p:tags r:id="rId11"/>
   </p:custDataLst>
   <p:defaultTextStyle>
     <a:defPPr>
@@ -3372,6 +3374,306 @@
 </p:sld>
 </file>
 
+<file path=ppt/slides/slide4.xml><?xml version="1.0" encoding="utf-8"?>
+<p:sld xmlns:a="http://schemas.openxmlformats.org/drawingml/2006/main" xmlns:r="http://schemas.openxmlformats.org/officeDocument/2006/relationships" xmlns:p="http://schemas.openxmlformats.org/presentationml/2006/main">
+  <p:cSld>
+    <p:spTree>
+      <p:nvGrpSpPr>
+        <p:cNvPr id="1" name=""/>
+        <p:cNvGrpSpPr/>
+        <p:nvPr/>
+      </p:nvGrpSpPr>
+      <p:grpSpPr/>
+      <p:sp>
+        <p:nvSpPr>
+          <p:cNvPr id="2" name="标题 1"/>
+          <p:cNvSpPr>
+            <a:spLocks noGrp="1"/>
+          </p:cNvSpPr>
+          <p:nvPr>
+            <p:ph type="title"/>
+          </p:nvPr>
+        </p:nvSpPr>
+        <p:spPr>
+          <a:xfrm>
+            <a:off x="838200" y="365125"/>
+            <a:ext cx="10515600" cy="845185"/>
+          </a:xfrm>
+        </p:spPr>
+        <p:txBody>
+          <a:bodyPr/>
+          <a:p>
+            <a:r>
+              <a:rPr lang="zh-CN" altLang="en-US"/>
+              <a:t>無心道</a:t>
+            </a:r>
+            <a:r>
+              <a:rPr lang="en-US" altLang="zh-CN"/>
+              <a:t>-</a:t>
+            </a:r>
+            <a:r>
+              <a:rPr lang="zh-CN" altLang="en-US"/>
+              <a:t>基础</a:t>
+            </a:r>
+            <a:r>
+              <a:rPr lang="en-US" altLang="zh-CN"/>
+              <a:t>-httpclient</a:t>
+            </a:r>
+            <a:endParaRPr lang="zh-CN" altLang="en-US"/>
+          </a:p>
+        </p:txBody>
+      </p:sp>
+      <p:sp>
+        <p:nvSpPr>
+          <p:cNvPr id="4" name="文本框 3"/>
+          <p:cNvSpPr txBox="1"/>
+          <p:nvPr/>
+        </p:nvSpPr>
+        <p:spPr>
+          <a:xfrm>
+            <a:off x="648335" y="1632585"/>
+            <a:ext cx="10510520" cy="1476375"/>
+          </a:xfrm>
+          <a:prstGeom prst="rect">
+            <a:avLst/>
+          </a:prstGeom>
+          <a:noFill/>
+        </p:spPr>
+        <p:txBody>
+          <a:bodyPr wrap="square" rtlCol="0">
+            <a:spAutoFit/>
+          </a:bodyPr>
+          <a:p>
+            <a:r>
+              <a:rPr lang="zh-CN" altLang="en-US"/>
+              <a:t>apache.http.client</a:t>
+            </a:r>
+            <a:r>
+              <a:rPr lang="en-US" altLang="zh-CN"/>
+              <a:t> 6000</a:t>
+            </a:r>
+            <a:r>
+              <a:rPr lang="zh-CN" altLang="en-US"/>
+              <a:t>个区，</a:t>
+            </a:r>
+            <a:r>
+              <a:rPr lang="en-US" altLang="zh-CN"/>
+              <a:t>300</a:t>
+            </a:r>
+            <a:r>
+              <a:rPr lang="zh-CN" altLang="en-US"/>
+              <a:t>多个进程，我们单进程</a:t>
+            </a:r>
+            <a:r>
+              <a:rPr lang="en-US" altLang="zh-CN"/>
+              <a:t>3g</a:t>
+            </a:r>
+            <a:r>
+              <a:rPr lang="zh-CN" altLang="en-US"/>
+              <a:t>，</a:t>
+            </a:r>
+            <a:r>
+              <a:rPr lang="en-US" altLang="zh-CN"/>
+              <a:t>1.8g</a:t>
+            </a:r>
+            <a:r>
+              <a:rPr lang="zh-CN" altLang="en-US"/>
+              <a:t>，</a:t>
+            </a:r>
+            <a:endParaRPr lang="zh-CN" altLang="en-US"/>
+          </a:p>
+          <a:p>
+            <a:endParaRPr lang="zh-CN" altLang="en-US"/>
+          </a:p>
+          <a:p>
+            <a:r>
+              <a:rPr lang="zh-CN" altLang="en-US"/>
+              <a:t>java.net.http.HttpClient</a:t>
+            </a:r>
+            <a:r>
+              <a:rPr lang="en-US" altLang="zh-CN"/>
+              <a:t> </a:t>
+            </a:r>
+            <a:r>
+              <a:rPr lang="zh-CN" altLang="en-US"/>
+              <a:t>第三方</a:t>
+            </a:r>
+            <a:r>
+              <a:rPr lang="en-US" altLang="zh-CN"/>
+              <a:t>sdk httpclient </a:t>
+            </a:r>
+            <a:endParaRPr lang="zh-CN" altLang="en-US"/>
+          </a:p>
+          <a:p>
+            <a:endParaRPr lang="zh-CN" altLang="en-US"/>
+          </a:p>
+          <a:p>
+            <a:r>
+              <a:rPr lang="zh-CN" altLang="en-US"/>
+              <a:t>java.net.HttpURLConnection</a:t>
+            </a:r>
+            <a:r>
+              <a:rPr lang="en-US" altLang="zh-CN"/>
+              <a:t> </a:t>
+            </a:r>
+            <a:endParaRPr lang="en-US" altLang="zh-CN"/>
+          </a:p>
+        </p:txBody>
+      </p:sp>
+    </p:spTree>
+  </p:cSld>
+  <p:clrMapOvr>
+    <a:masterClrMapping/>
+  </p:clrMapOvr>
+</p:sld>
+</file>
+
+<file path=ppt/slides/slide5.xml><?xml version="1.0" encoding="utf-8"?>
+<p:sld xmlns:a="http://schemas.openxmlformats.org/drawingml/2006/main" xmlns:r="http://schemas.openxmlformats.org/officeDocument/2006/relationships" xmlns:p="http://schemas.openxmlformats.org/presentationml/2006/main">
+  <p:cSld>
+    <p:spTree>
+      <p:nvGrpSpPr>
+        <p:cNvPr id="1" name=""/>
+        <p:cNvGrpSpPr/>
+        <p:nvPr/>
+      </p:nvGrpSpPr>
+      <p:grpSpPr/>
+      <p:sp>
+        <p:nvSpPr>
+          <p:cNvPr id="2" name="标题 1"/>
+          <p:cNvSpPr>
+            <a:spLocks noGrp="1"/>
+          </p:cNvSpPr>
+          <p:nvPr>
+            <p:ph type="title"/>
+          </p:nvPr>
+        </p:nvSpPr>
+        <p:spPr>
+          <a:xfrm>
+            <a:off x="838200" y="365125"/>
+            <a:ext cx="10515600" cy="845185"/>
+          </a:xfrm>
+        </p:spPr>
+        <p:txBody>
+          <a:bodyPr/>
+          <a:p>
+            <a:r>
+              <a:rPr lang="zh-CN" altLang="en-US"/>
+              <a:t>無心道</a:t>
+            </a:r>
+            <a:r>
+              <a:rPr lang="en-US" altLang="zh-CN"/>
+              <a:t>-</a:t>
+            </a:r>
+            <a:r>
+              <a:rPr lang="zh-CN" altLang="en-US"/>
+              <a:t>基础</a:t>
+            </a:r>
+            <a:r>
+              <a:rPr lang="en-US" altLang="zh-CN"/>
+              <a:t>-batis</a:t>
+            </a:r>
+            <a:endParaRPr lang="zh-CN" altLang="en-US"/>
+          </a:p>
+        </p:txBody>
+      </p:sp>
+      <p:sp>
+        <p:nvSpPr>
+          <p:cNvPr id="4" name="文本框 3"/>
+          <p:cNvSpPr txBox="1"/>
+          <p:nvPr/>
+        </p:nvSpPr>
+        <p:spPr>
+          <a:xfrm>
+            <a:off x="648335" y="1632585"/>
+            <a:ext cx="10510520" cy="3692525"/>
+          </a:xfrm>
+          <a:prstGeom prst="rect">
+            <a:avLst/>
+          </a:prstGeom>
+          <a:noFill/>
+        </p:spPr>
+        <p:txBody>
+          <a:bodyPr wrap="square" rtlCol="0">
+            <a:spAutoFit/>
+          </a:bodyPr>
+          <a:p>
+            <a:r>
+              <a:rPr lang="en-US" altLang="zh-CN"/>
+              <a:t>excel</a:t>
+            </a:r>
+            <a:endParaRPr lang="en-US" altLang="zh-CN"/>
+          </a:p>
+          <a:p>
+            <a:endParaRPr lang="en-US" altLang="zh-CN"/>
+          </a:p>
+          <a:p>
+            <a:r>
+              <a:rPr lang="en-US" altLang="zh-CN"/>
+              <a:t>mongodb</a:t>
+            </a:r>
+            <a:endParaRPr lang="en-US" altLang="zh-CN"/>
+          </a:p>
+          <a:p>
+            <a:endParaRPr lang="en-US" altLang="zh-CN"/>
+          </a:p>
+          <a:p>
+            <a:r>
+              <a:rPr lang="en-US" altLang="zh-CN"/>
+              <a:t>redis</a:t>
+            </a:r>
+            <a:endParaRPr lang="en-US" altLang="zh-CN"/>
+          </a:p>
+          <a:p>
+            <a:endParaRPr lang="en-US" altLang="zh-CN"/>
+          </a:p>
+          <a:p>
+            <a:r>
+              <a:rPr lang="en-US" altLang="zh-CN"/>
+              <a:t>mysql</a:t>
+            </a:r>
+            <a:endParaRPr lang="en-US" altLang="zh-CN"/>
+          </a:p>
+          <a:p>
+            <a:endParaRPr lang="en-US" altLang="zh-CN"/>
+          </a:p>
+          <a:p>
+            <a:r>
+              <a:rPr lang="en-US" altLang="zh-CN"/>
+              <a:t>sqlite</a:t>
+            </a:r>
+            <a:endParaRPr lang="en-US" altLang="zh-CN"/>
+          </a:p>
+          <a:p>
+            <a:endParaRPr lang="en-US" altLang="zh-CN"/>
+          </a:p>
+          <a:p>
+            <a:r>
+              <a:rPr lang="en-US" altLang="zh-CN"/>
+              <a:t>code to db</a:t>
+            </a:r>
+            <a:endParaRPr lang="en-US" altLang="zh-CN"/>
+          </a:p>
+          <a:p>
+            <a:endParaRPr lang="en-US" altLang="zh-CN"/>
+          </a:p>
+          <a:p>
+            <a:r>
+              <a:rPr lang="en-US" altLang="zh-CN"/>
+              <a:t>query db</a:t>
+            </a:r>
+            <a:endParaRPr lang="en-US" altLang="zh-CN"/>
+          </a:p>
+        </p:txBody>
+      </p:sp>
+    </p:spTree>
+  </p:cSld>
+  <p:clrMapOvr>
+    <a:masterClrMapping/>
+  </p:clrMapOvr>
+</p:sld>
+</file>
+
 <file path=ppt/tags/tag1.xml><?xml version="1.0" encoding="utf-8"?>
 <p:tagLst xmlns:p="http://schemas.openxmlformats.org/presentationml/2006/main">
   <p:tag name="commondata" val="eyJoZGlkIjoiODAyMmZjOGE2NzM5YWJlOTAyYjY0MTQ3MDZhZGI5MmQifQ=="/>

--- a/無心道快速开服演示文稿.pptx
+++ b/無心道快速开服演示文稿.pptx
@@ -10,11 +10,12 @@
     <p:sldId id="258" r:id="rId5"/>
     <p:sldId id="259" r:id="rId6"/>
     <p:sldId id="260" r:id="rId7"/>
+    <p:sldId id="261" r:id="rId8"/>
   </p:sldIdLst>
   <p:sldSz cx="12192000" cy="6858000"/>
   <p:notesSz cx="6858000" cy="9144000"/>
   <p:custDataLst>
-    <p:tags r:id="rId11"/>
+    <p:tags r:id="rId12"/>
   </p:custDataLst>
   <p:defaultTextStyle>
     <a:defPPr>
@@ -3674,6 +3675,136 @@
 </p:sld>
 </file>
 
+<file path=ppt/slides/slide6.xml><?xml version="1.0" encoding="utf-8"?>
+<p:sld xmlns:a="http://schemas.openxmlformats.org/drawingml/2006/main" xmlns:r="http://schemas.openxmlformats.org/officeDocument/2006/relationships" xmlns:p="http://schemas.openxmlformats.org/presentationml/2006/main">
+  <p:cSld>
+    <p:spTree>
+      <p:nvGrpSpPr>
+        <p:cNvPr id="1" name=""/>
+        <p:cNvGrpSpPr/>
+        <p:nvPr/>
+      </p:nvGrpSpPr>
+      <p:grpSpPr/>
+      <p:sp>
+        <p:nvSpPr>
+          <p:cNvPr id="2" name="标题 1"/>
+          <p:cNvSpPr>
+            <a:spLocks noGrp="1"/>
+          </p:cNvSpPr>
+          <p:nvPr>
+            <p:ph type="title"/>
+          </p:nvPr>
+        </p:nvSpPr>
+        <p:spPr>
+          <a:xfrm>
+            <a:off x="838200" y="365125"/>
+            <a:ext cx="10515600" cy="845185"/>
+          </a:xfrm>
+        </p:spPr>
+        <p:txBody>
+          <a:bodyPr/>
+          <a:p>
+            <a:r>
+              <a:rPr lang="zh-CN" altLang="en-US"/>
+              <a:t>無心道</a:t>
+            </a:r>
+            <a:r>
+              <a:rPr lang="en-US" altLang="zh-CN"/>
+              <a:t>-</a:t>
+            </a:r>
+            <a:r>
+              <a:rPr lang="en-US"/>
+              <a:t>batis-</a:t>
+            </a:r>
+            <a:r>
+              <a:rPr lang="zh-CN" altLang="en-US"/>
+              <a:t>晋级篇</a:t>
+            </a:r>
+            <a:endParaRPr lang="zh-CN" altLang="en-US"/>
+          </a:p>
+        </p:txBody>
+      </p:sp>
+      <p:sp>
+        <p:nvSpPr>
+          <p:cNvPr id="4" name="文本框 3"/>
+          <p:cNvSpPr txBox="1"/>
+          <p:nvPr/>
+        </p:nvSpPr>
+        <p:spPr>
+          <a:xfrm>
+            <a:off x="648335" y="1632585"/>
+            <a:ext cx="10510520" cy="1476375"/>
+          </a:xfrm>
+          <a:prstGeom prst="rect">
+            <a:avLst/>
+          </a:prstGeom>
+          <a:noFill/>
+        </p:spPr>
+        <p:txBody>
+          <a:bodyPr wrap="square" rtlCol="0">
+            <a:spAutoFit/>
+          </a:bodyPr>
+          <a:p>
+            <a:r>
+              <a:rPr lang="zh-CN" altLang="en-US"/>
+              <a:t>批量入库</a:t>
+            </a:r>
+            <a:r>
+              <a:rPr lang="en-US" altLang="zh-CN"/>
+              <a:t>/</a:t>
+            </a:r>
+            <a:r>
+              <a:rPr lang="zh-CN" altLang="en-US"/>
+              <a:t>异步入库</a:t>
+            </a:r>
+            <a:endParaRPr lang="zh-CN" altLang="en-US"/>
+          </a:p>
+          <a:p>
+            <a:endParaRPr lang="zh-CN" altLang="en-US"/>
+          </a:p>
+          <a:p>
+            <a:r>
+              <a:rPr lang="zh-CN" altLang="en-US"/>
+              <a:t>备份</a:t>
+            </a:r>
+            <a:r>
+              <a:rPr lang="en-US" altLang="zh-CN"/>
+              <a:t>-</a:t>
+            </a:r>
+            <a:r>
+              <a:rPr lang="zh-CN" altLang="en-US"/>
+              <a:t>导出</a:t>
+            </a:r>
+            <a:endParaRPr lang="zh-CN" altLang="en-US"/>
+          </a:p>
+          <a:p>
+            <a:endParaRPr lang="zh-CN" altLang="en-US"/>
+          </a:p>
+          <a:p>
+            <a:r>
+              <a:rPr lang="zh-CN" altLang="en-US"/>
+              <a:t>备份</a:t>
+            </a:r>
+            <a:r>
+              <a:rPr lang="en-US" altLang="zh-CN"/>
+              <a:t>-</a:t>
+            </a:r>
+            <a:r>
+              <a:rPr lang="zh-CN" altLang="en-US"/>
+              <a:t>导入</a:t>
+            </a:r>
+            <a:endParaRPr lang="zh-CN" altLang="en-US"/>
+          </a:p>
+        </p:txBody>
+      </p:sp>
+    </p:spTree>
+  </p:cSld>
+  <p:clrMapOvr>
+    <a:masterClrMapping/>
+  </p:clrMapOvr>
+</p:sld>
+</file>
+
 <file path=ppt/tags/tag1.xml><?xml version="1.0" encoding="utf-8"?>
 <p:tagLst xmlns:p="http://schemas.openxmlformats.org/presentationml/2006/main">
   <p:tag name="commondata" val="eyJoZGlkIjoiODAyMmZjOGE2NzM5YWJlOTAyYjY0MTQ3MDZhZGI5MmQifQ=="/>

--- a/無心道快速开服演示文稿.pptx
+++ b/無心道快速开服演示文稿.pptx
@@ -11,11 +11,12 @@
     <p:sldId id="259" r:id="rId6"/>
     <p:sldId id="260" r:id="rId7"/>
     <p:sldId id="261" r:id="rId8"/>
+    <p:sldId id="262" r:id="rId9"/>
   </p:sldIdLst>
   <p:sldSz cx="12192000" cy="6858000"/>
   <p:notesSz cx="6858000" cy="9144000"/>
   <p:custDataLst>
-    <p:tags r:id="rId12"/>
+    <p:tags r:id="rId13"/>
   </p:custDataLst>
   <p:defaultTextStyle>
     <a:defPPr>
@@ -3747,7 +3748,7 @@
           <a:p>
             <a:r>
               <a:rPr lang="zh-CN" altLang="en-US"/>
-              <a:t>批量入库</a:t>
+              <a:t>批量</a:t>
             </a:r>
             <a:r>
               <a:rPr lang="en-US" altLang="zh-CN"/>
@@ -3794,6 +3795,98 @@
               <a:t>导入</a:t>
             </a:r>
             <a:endParaRPr lang="zh-CN" altLang="en-US"/>
+          </a:p>
+        </p:txBody>
+      </p:sp>
+    </p:spTree>
+  </p:cSld>
+  <p:clrMapOvr>
+    <a:masterClrMapping/>
+  </p:clrMapOvr>
+</p:sld>
+</file>
+
+<file path=ppt/slides/slide7.xml><?xml version="1.0" encoding="utf-8"?>
+<p:sld xmlns:a="http://schemas.openxmlformats.org/drawingml/2006/main" xmlns:r="http://schemas.openxmlformats.org/officeDocument/2006/relationships" xmlns:p="http://schemas.openxmlformats.org/presentationml/2006/main">
+  <p:cSld>
+    <p:spTree>
+      <p:nvGrpSpPr>
+        <p:cNvPr id="1" name=""/>
+        <p:cNvGrpSpPr/>
+        <p:nvPr/>
+      </p:nvGrpSpPr>
+      <p:grpSpPr/>
+      <p:sp>
+        <p:nvSpPr>
+          <p:cNvPr id="2" name="标题 1"/>
+          <p:cNvSpPr>
+            <a:spLocks noGrp="1"/>
+          </p:cNvSpPr>
+          <p:nvPr>
+            <p:ph type="title"/>
+          </p:nvPr>
+        </p:nvSpPr>
+        <p:spPr>
+          <a:xfrm>
+            <a:off x="838200" y="365125"/>
+            <a:ext cx="10515600" cy="845185"/>
+          </a:xfrm>
+        </p:spPr>
+        <p:txBody>
+          <a:bodyPr/>
+          <a:p>
+            <a:r>
+              <a:rPr lang="zh-CN" altLang="en-US"/>
+              <a:t>無心道</a:t>
+            </a:r>
+            <a:r>
+              <a:rPr lang="en-US" altLang="zh-CN"/>
+              <a:t>-</a:t>
+            </a:r>
+            <a:r>
+              <a:rPr lang="en-US"/>
+              <a:t>batis-excel</a:t>
+            </a:r>
+            <a:endParaRPr lang="zh-CN" altLang="en-US"/>
+          </a:p>
+        </p:txBody>
+      </p:sp>
+      <p:sp>
+        <p:nvSpPr>
+          <p:cNvPr id="4" name="文本框 3"/>
+          <p:cNvSpPr txBox="1"/>
+          <p:nvPr/>
+        </p:nvSpPr>
+        <p:spPr>
+          <a:xfrm>
+            <a:off x="648335" y="1632585"/>
+            <a:ext cx="10510520" cy="922020"/>
+          </a:xfrm>
+          <a:prstGeom prst="rect">
+            <a:avLst/>
+          </a:prstGeom>
+          <a:noFill/>
+        </p:spPr>
+        <p:txBody>
+          <a:bodyPr wrap="square" rtlCol="0">
+            <a:spAutoFit/>
+          </a:bodyPr>
+          <a:p>
+            <a:r>
+              <a:rPr lang="en-US"/>
+              <a:t>excel 2 json</a:t>
+            </a:r>
+            <a:endParaRPr lang="en-US"/>
+          </a:p>
+          <a:p>
+            <a:endParaRPr lang="en-US"/>
+          </a:p>
+          <a:p>
+            <a:r>
+              <a:rPr lang="en-US"/>
+              <a:t>excel 2 code</a:t>
+            </a:r>
+            <a:endParaRPr lang="en-US"/>
           </a:p>
         </p:txBody>
       </p:sp>

--- a/無心道快速开服演示文稿.pptx
+++ b/無心道快速开服演示文稿.pptx
@@ -12,11 +12,12 @@
     <p:sldId id="260" r:id="rId7"/>
     <p:sldId id="261" r:id="rId8"/>
     <p:sldId id="262" r:id="rId9"/>
+    <p:sldId id="263" r:id="rId10"/>
   </p:sldIdLst>
   <p:sldSz cx="12192000" cy="6858000"/>
   <p:notesSz cx="6858000" cy="9144000"/>
   <p:custDataLst>
-    <p:tags r:id="rId13"/>
+    <p:tags r:id="rId14"/>
   </p:custDataLst>
   <p:defaultTextStyle>
     <a:defPPr>
@@ -3898,6 +3899,144 @@
 </p:sld>
 </file>
 
+<file path=ppt/slides/slide8.xml><?xml version="1.0" encoding="utf-8"?>
+<p:sld xmlns:a="http://schemas.openxmlformats.org/drawingml/2006/main" xmlns:r="http://schemas.openxmlformats.org/officeDocument/2006/relationships" xmlns:p="http://schemas.openxmlformats.org/presentationml/2006/main">
+  <p:cSld>
+    <p:spTree>
+      <p:nvGrpSpPr>
+        <p:cNvPr id="1" name=""/>
+        <p:cNvGrpSpPr/>
+        <p:nvPr/>
+      </p:nvGrpSpPr>
+      <p:grpSpPr/>
+      <p:sp>
+        <p:nvSpPr>
+          <p:cNvPr id="2" name="标题 1"/>
+          <p:cNvSpPr>
+            <a:spLocks noGrp="1"/>
+          </p:cNvSpPr>
+          <p:nvPr>
+            <p:ph type="title"/>
+          </p:nvPr>
+        </p:nvSpPr>
+        <p:spPr>
+          <a:xfrm>
+            <a:off x="838200" y="365125"/>
+            <a:ext cx="10515600" cy="845185"/>
+          </a:xfrm>
+        </p:spPr>
+        <p:txBody>
+          <a:bodyPr/>
+          <a:p>
+            <a:r>
+              <a:rPr lang="zh-CN" altLang="en-US"/>
+              <a:t>無心道</a:t>
+            </a:r>
+            <a:r>
+              <a:rPr lang="en-US" altLang="zh-CN"/>
+              <a:t>-netty-message</a:t>
+            </a:r>
+            <a:endParaRPr lang="zh-CN" altLang="en-US"/>
+          </a:p>
+        </p:txBody>
+      </p:sp>
+      <p:sp>
+        <p:nvSpPr>
+          <p:cNvPr id="4" name="文本框 3"/>
+          <p:cNvSpPr txBox="1"/>
+          <p:nvPr/>
+        </p:nvSpPr>
+        <p:spPr>
+          <a:xfrm>
+            <a:off x="648335" y="1632585"/>
+            <a:ext cx="10510520" cy="2584450"/>
+          </a:xfrm>
+          <a:prstGeom prst="rect">
+            <a:avLst/>
+          </a:prstGeom>
+          <a:noFill/>
+        </p:spPr>
+        <p:txBody>
+          <a:bodyPr wrap="square" rtlCol="0">
+            <a:spAutoFit/>
+          </a:bodyPr>
+          <a:p>
+            <a:r>
+              <a:rPr lang="en-US"/>
+              <a:t>protobuf</a:t>
+            </a:r>
+            <a:endParaRPr lang="en-US"/>
+          </a:p>
+          <a:p>
+            <a:endParaRPr lang="en-US"/>
+          </a:p>
+          <a:p>
+            <a:r>
+              <a:rPr lang="en-US"/>
+              <a:t>   </a:t>
+            </a:r>
+            <a:r>
+              <a:rPr lang="zh-CN" altLang="en-US"/>
+              <a:t>编写</a:t>
+            </a:r>
+            <a:endParaRPr lang="en-US"/>
+          </a:p>
+          <a:p>
+            <a:r>
+              <a:rPr lang="en-US"/>
+              <a:t>   </a:t>
+            </a:r>
+            <a:r>
+              <a:rPr lang="zh-CN" altLang="en-US"/>
+              <a:t>编译</a:t>
+            </a:r>
+            <a:endParaRPr lang="en-US"/>
+          </a:p>
+          <a:p>
+            <a:endParaRPr lang="en-US"/>
+          </a:p>
+          <a:p>
+            <a:r>
+              <a:rPr lang="en-US"/>
+              <a:t>protobuff 2 code</a:t>
+            </a:r>
+            <a:endParaRPr lang="en-US"/>
+          </a:p>
+          <a:p>
+            <a:endParaRPr lang="en-US"/>
+          </a:p>
+          <a:p>
+            <a:r>
+              <a:rPr lang="en-US"/>
+              <a:t>   handler </a:t>
+            </a:r>
+            <a:r>
+              <a:rPr lang="zh-CN" altLang="en-US"/>
+              <a:t>生成</a:t>
+            </a:r>
+            <a:endParaRPr lang="en-US"/>
+          </a:p>
+          <a:p>
+            <a:r>
+              <a:rPr lang="en-US"/>
+              <a:t>   handler </a:t>
+            </a:r>
+            <a:r>
+              <a:rPr lang="zh-CN" altLang="en-US"/>
+              <a:t>模版编写</a:t>
+            </a:r>
+            <a:endParaRPr lang="zh-CN" altLang="en-US"/>
+          </a:p>
+        </p:txBody>
+      </p:sp>
+    </p:spTree>
+  </p:cSld>
+  <p:clrMapOvr>
+    <a:masterClrMapping/>
+  </p:clrMapOvr>
+</p:sld>
+</file>
+
 <file path=ppt/tags/tag1.xml><?xml version="1.0" encoding="utf-8"?>
 <p:tagLst xmlns:p="http://schemas.openxmlformats.org/presentationml/2006/main">
   <p:tag name="commondata" val="eyJoZGlkIjoiODAyMmZjOGE2NzM5YWJlOTAyYjY0MTQ3MDZhZGI5MmQifQ=="/>
